--- a/halloween_chess_set.pptx
+++ b/halloween_chess_set.pptx
@@ -277,7 +277,7 @@
           <a:p>
             <a:fld id="{DE0E1BEE-BC85-47D5-B2E8-C2DE36A83BB9}" type="datetimeFigureOut">
               <a:rPr lang="en-IN" smtClean="0"/>
-              <a:t>07-10-2022</a:t>
+              <a:t>11-10-2022</a:t>
             </a:fld>
             <a:endParaRPr lang="en-IN"/>
           </a:p>
@@ -477,7 +477,7 @@
           <a:p>
             <a:fld id="{DE0E1BEE-BC85-47D5-B2E8-C2DE36A83BB9}" type="datetimeFigureOut">
               <a:rPr lang="en-IN" smtClean="0"/>
-              <a:t>07-10-2022</a:t>
+              <a:t>11-10-2022</a:t>
             </a:fld>
             <a:endParaRPr lang="en-IN"/>
           </a:p>
@@ -687,7 +687,7 @@
           <a:p>
             <a:fld id="{DE0E1BEE-BC85-47D5-B2E8-C2DE36A83BB9}" type="datetimeFigureOut">
               <a:rPr lang="en-IN" smtClean="0"/>
-              <a:t>07-10-2022</a:t>
+              <a:t>11-10-2022</a:t>
             </a:fld>
             <a:endParaRPr lang="en-IN"/>
           </a:p>
@@ -887,7 +887,7 @@
           <a:p>
             <a:fld id="{DE0E1BEE-BC85-47D5-B2E8-C2DE36A83BB9}" type="datetimeFigureOut">
               <a:rPr lang="en-IN" smtClean="0"/>
-              <a:t>07-10-2022</a:t>
+              <a:t>11-10-2022</a:t>
             </a:fld>
             <a:endParaRPr lang="en-IN"/>
           </a:p>
@@ -1163,7 +1163,7 @@
           <a:p>
             <a:fld id="{DE0E1BEE-BC85-47D5-B2E8-C2DE36A83BB9}" type="datetimeFigureOut">
               <a:rPr lang="en-IN" smtClean="0"/>
-              <a:t>07-10-2022</a:t>
+              <a:t>11-10-2022</a:t>
             </a:fld>
             <a:endParaRPr lang="en-IN"/>
           </a:p>
@@ -1431,7 +1431,7 @@
           <a:p>
             <a:fld id="{DE0E1BEE-BC85-47D5-B2E8-C2DE36A83BB9}" type="datetimeFigureOut">
               <a:rPr lang="en-IN" smtClean="0"/>
-              <a:t>07-10-2022</a:t>
+              <a:t>11-10-2022</a:t>
             </a:fld>
             <a:endParaRPr lang="en-IN"/>
           </a:p>
@@ -1846,7 +1846,7 @@
           <a:p>
             <a:fld id="{DE0E1BEE-BC85-47D5-B2E8-C2DE36A83BB9}" type="datetimeFigureOut">
               <a:rPr lang="en-IN" smtClean="0"/>
-              <a:t>07-10-2022</a:t>
+              <a:t>11-10-2022</a:t>
             </a:fld>
             <a:endParaRPr lang="en-IN"/>
           </a:p>
@@ -1988,7 +1988,7 @@
           <a:p>
             <a:fld id="{DE0E1BEE-BC85-47D5-B2E8-C2DE36A83BB9}" type="datetimeFigureOut">
               <a:rPr lang="en-IN" smtClean="0"/>
-              <a:t>07-10-2022</a:t>
+              <a:t>11-10-2022</a:t>
             </a:fld>
             <a:endParaRPr lang="en-IN"/>
           </a:p>
@@ -2101,7 +2101,7 @@
           <a:p>
             <a:fld id="{DE0E1BEE-BC85-47D5-B2E8-C2DE36A83BB9}" type="datetimeFigureOut">
               <a:rPr lang="en-IN" smtClean="0"/>
-              <a:t>07-10-2022</a:t>
+              <a:t>11-10-2022</a:t>
             </a:fld>
             <a:endParaRPr lang="en-IN"/>
           </a:p>
@@ -2414,7 +2414,7 @@
           <a:p>
             <a:fld id="{DE0E1BEE-BC85-47D5-B2E8-C2DE36A83BB9}" type="datetimeFigureOut">
               <a:rPr lang="en-IN" smtClean="0"/>
-              <a:t>07-10-2022</a:t>
+              <a:t>11-10-2022</a:t>
             </a:fld>
             <a:endParaRPr lang="en-IN"/>
           </a:p>
@@ -2703,7 +2703,7 @@
           <a:p>
             <a:fld id="{DE0E1BEE-BC85-47D5-B2E8-C2DE36A83BB9}" type="datetimeFigureOut">
               <a:rPr lang="en-IN" smtClean="0"/>
-              <a:t>07-10-2022</a:t>
+              <a:t>11-10-2022</a:t>
             </a:fld>
             <a:endParaRPr lang="en-IN"/>
           </a:p>
@@ -2946,7 +2946,7 @@
           <a:p>
             <a:fld id="{DE0E1BEE-BC85-47D5-B2E8-C2DE36A83BB9}" type="datetimeFigureOut">
               <a:rPr lang="en-IN" smtClean="0"/>
-              <a:t>07-10-2022</a:t>
+              <a:t>11-10-2022</a:t>
             </a:fld>
             <a:endParaRPr lang="en-IN"/>
           </a:p>
@@ -3476,7 +3476,7 @@
             <a:chExt cx="1296000" cy="1296000"/>
           </a:xfrm>
           <a:effectLst>
-            <a:glow rad="50800">
+            <a:glow rad="44450">
               <a:schemeClr val="tx1"/>
             </a:glow>
           </a:effectLst>
@@ -3597,8 +3597,8 @@
               </p:nvSpPr>
               <p:spPr>
                 <a:xfrm rot="5400000">
-                  <a:off x="4916100" y="3421289"/>
-                  <a:ext cx="2743205" cy="492079"/>
+                  <a:off x="4892021" y="3397210"/>
+                  <a:ext cx="2743205" cy="540237"/>
                 </a:xfrm>
                 <a:prstGeom prst="round2SameRect">
                   <a:avLst>
@@ -3654,8 +3654,8 @@
               </p:nvSpPr>
               <p:spPr>
                 <a:xfrm rot="5400000">
-                  <a:off x="5454229" y="3447089"/>
-                  <a:ext cx="2577827" cy="469666"/>
+                  <a:off x="5383739" y="3376604"/>
+                  <a:ext cx="2577827" cy="610641"/>
                 </a:xfrm>
                 <a:prstGeom prst="round2SameRect">
                   <a:avLst>
@@ -3769,9 +3769,9 @@
             </p:nvGrpSpPr>
             <p:grpSpPr>
               <a:xfrm rot="10800000">
-                <a:off x="4428722" y="2658083"/>
+                <a:off x="4428722" y="2658081"/>
                 <a:ext cx="1937027" cy="2743205"/>
-                <a:chOff x="5504626" y="2295722"/>
+                <a:chOff x="5504626" y="2295724"/>
                 <a:chExt cx="1937027" cy="2743205"/>
               </a:xfrm>
               <a:grpFill/>
@@ -3790,8 +3790,8 @@
               </p:nvSpPr>
               <p:spPr>
                 <a:xfrm rot="5400000">
-                  <a:off x="4914085" y="3438724"/>
-                  <a:ext cx="2743205" cy="457201"/>
+                  <a:off x="4857883" y="3382522"/>
+                  <a:ext cx="2743205" cy="569609"/>
                 </a:xfrm>
                 <a:prstGeom prst="round2SameRect">
                   <a:avLst>
@@ -3847,8 +3847,8 @@
               </p:nvSpPr>
               <p:spPr>
                 <a:xfrm rot="5400000">
-                  <a:off x="5431276" y="3453321"/>
-                  <a:ext cx="2577826" cy="457200"/>
+                  <a:off x="5375073" y="3397120"/>
+                  <a:ext cx="2577827" cy="569609"/>
                 </a:xfrm>
                 <a:prstGeom prst="round2SameRect">
                   <a:avLst>
@@ -4505,8 +4505,8 @@
           </p:nvSpPr>
           <p:spPr>
             <a:xfrm>
-              <a:off x="6034320" y="2955719"/>
-              <a:ext cx="121188" cy="103533"/>
+              <a:off x="6038944" y="2936575"/>
+              <a:ext cx="108000" cy="360000"/>
             </a:xfrm>
             <a:prstGeom prst="rect">
               <a:avLst/>
@@ -4542,7 +4542,7 @@
             <a:lstStyle/>
             <a:p>
               <a:pPr algn="ctr"/>
-              <a:endParaRPr lang="en-IN"/>
+              <a:endParaRPr lang="en-IN" dirty="0"/>
             </a:p>
           </p:txBody>
         </p:sp>
@@ -4560,8 +4560,8 @@
           </p:nvSpPr>
           <p:spPr>
             <a:xfrm>
-              <a:off x="5834890" y="2952157"/>
-              <a:ext cx="121188" cy="138486"/>
+              <a:off x="5832985" y="2938047"/>
+              <a:ext cx="108000" cy="360000"/>
             </a:xfrm>
             <a:prstGeom prst="rect">
               <a:avLst/>
@@ -4597,7 +4597,7 @@
             <a:lstStyle/>
             <a:p>
               <a:pPr algn="ctr"/>
-              <a:endParaRPr lang="en-IN"/>
+              <a:endParaRPr lang="en-IN" dirty="0"/>
             </a:p>
           </p:txBody>
         </p:sp>
@@ -4615,8 +4615,8 @@
           </p:nvSpPr>
           <p:spPr>
             <a:xfrm>
-              <a:off x="6229811" y="2952157"/>
-              <a:ext cx="121188" cy="138486"/>
+              <a:off x="6244903" y="2935065"/>
+              <a:ext cx="108000" cy="360000"/>
             </a:xfrm>
             <a:prstGeom prst="rect">
               <a:avLst/>
@@ -4652,7 +4652,7 @@
             <a:lstStyle/>
             <a:p>
               <a:pPr algn="ctr"/>
-              <a:endParaRPr lang="en-IN"/>
+              <a:endParaRPr lang="en-IN" dirty="0"/>
             </a:p>
           </p:txBody>
         </p:sp>
@@ -4670,8 +4670,8 @@
           </p:nvSpPr>
           <p:spPr>
             <a:xfrm>
-              <a:off x="5834890" y="3047610"/>
-              <a:ext cx="516109" cy="240937"/>
+              <a:off x="5834890" y="3047658"/>
+              <a:ext cx="516109" cy="252000"/>
             </a:xfrm>
             <a:prstGeom prst="rect">
               <a:avLst/>
@@ -4762,7 +4762,7 @@
             <a:chExt cx="1296000" cy="1296000"/>
           </a:xfrm>
           <a:effectLst>
-            <a:glow rad="63500">
+            <a:glow rad="44450">
               <a:schemeClr val="tx1"/>
             </a:glow>
           </a:effectLst>
@@ -5926,7 +5926,7 @@
             <a:chExt cx="1296000" cy="1296000"/>
           </a:xfrm>
           <a:effectLst>
-            <a:glow rad="63500">
+            <a:glow rad="44450">
               <a:schemeClr val="tx1"/>
             </a:glow>
           </a:effectLst>
@@ -7108,10 +7108,10 @@
       </p:grpSpPr>
       <p:grpSp>
         <p:nvGrpSpPr>
-          <p:cNvPr id="34" name="Group 33">
+          <p:cNvPr id="3" name="Group 2">
             <a:extLst>
               <a:ext uri="{FF2B5EF4-FFF2-40B4-BE49-F238E27FC236}">
-                <a16:creationId xmlns:a16="http://schemas.microsoft.com/office/drawing/2014/main" id="{F02D9267-74FA-A5D6-234A-63F8488C490D}"/>
+                <a16:creationId xmlns:a16="http://schemas.microsoft.com/office/drawing/2014/main" id="{5DE554EC-B2A6-00CE-0DBD-16B6DFCC6143}"/>
               </a:ext>
             </a:extLst>
           </p:cNvPr>
@@ -7196,7 +7196,7 @@
               <a:chExt cx="1330752" cy="1286657"/>
             </a:xfrm>
             <a:effectLst>
-              <a:glow rad="63500">
+              <a:glow rad="44450">
                 <a:schemeClr val="tx1"/>
               </a:glow>
             </a:effectLst>
@@ -8392,10 +8392,10 @@
       </p:grpSpPr>
       <p:grpSp>
         <p:nvGrpSpPr>
-          <p:cNvPr id="34" name="Group 33">
+          <p:cNvPr id="3" name="Group 2">
             <a:extLst>
               <a:ext uri="{FF2B5EF4-FFF2-40B4-BE49-F238E27FC236}">
-                <a16:creationId xmlns:a16="http://schemas.microsoft.com/office/drawing/2014/main" id="{F02D9267-74FA-A5D6-234A-63F8488C490D}"/>
+                <a16:creationId xmlns:a16="http://schemas.microsoft.com/office/drawing/2014/main" id="{322871F6-D9AC-41D8-9282-B2D605B2A655}"/>
               </a:ext>
             </a:extLst>
           </p:cNvPr>
@@ -8480,7 +8480,7 @@
               <a:chExt cx="1330752" cy="1286657"/>
             </a:xfrm>
             <a:effectLst>
-              <a:glow rad="63500">
+              <a:glow rad="44450">
                 <a:schemeClr val="tx1"/>
               </a:glow>
             </a:effectLst>
@@ -9734,7 +9734,7 @@
             <a:chExt cx="1296000" cy="1296000"/>
           </a:xfrm>
           <a:effectLst>
-            <a:glow rad="63500">
+            <a:glow rad="44450">
               <a:schemeClr val="tx1"/>
             </a:glow>
           </a:effectLst>
@@ -9824,9 +9824,9 @@
             <p:grpSpPr>
               <a:xfrm>
                 <a:off x="5768965" y="3269090"/>
-                <a:ext cx="616379" cy="516930"/>
-                <a:chOff x="4428722" y="2609442"/>
-                <a:chExt cx="3120648" cy="2840480"/>
+                <a:ext cx="616381" cy="516930"/>
+                <a:chOff x="4428715" y="2609442"/>
+                <a:chExt cx="3120655" cy="2840480"/>
               </a:xfrm>
               <a:solidFill>
                 <a:schemeClr val="accent2">
@@ -10089,9 +10089,9 @@
               </p:nvGrpSpPr>
               <p:grpSpPr>
                 <a:xfrm rot="10800000">
-                  <a:off x="4428722" y="2658079"/>
+                  <a:off x="4428715" y="2658079"/>
                   <a:ext cx="1937027" cy="2743205"/>
-                  <a:chOff x="5504626" y="2295726"/>
+                  <a:chOff x="5504633" y="2295726"/>
                   <a:chExt cx="1937027" cy="2743205"/>
                 </a:xfrm>
                 <a:grpFill/>
@@ -10220,8 +10220,8 @@
                 </p:nvSpPr>
                 <p:spPr>
                   <a:xfrm rot="16200000">
-                    <a:off x="5184227" y="2713406"/>
-                    <a:ext cx="2577826" cy="1937027"/>
+                    <a:off x="5184235" y="2713404"/>
+                    <a:ext cx="2577823" cy="1937027"/>
                   </a:xfrm>
                   <a:prstGeom prst="chord">
                     <a:avLst>
@@ -11242,7 +11242,7 @@
             <a:chExt cx="1296000" cy="1296000"/>
           </a:xfrm>
           <a:effectLst>
-            <a:glow rad="63500">
+            <a:glow rad="44450">
               <a:schemeClr val="tx1"/>
             </a:glow>
           </a:effectLst>
@@ -12742,7 +12742,7 @@
             <a:chExt cx="1296000" cy="1296000"/>
           </a:xfrm>
           <a:effectLst>
-            <a:glow rad="63500">
+            <a:glow rad="44450">
               <a:schemeClr val="tx1"/>
             </a:glow>
           </a:effectLst>
@@ -17492,7 +17492,7 @@
             <a:chExt cx="1296000" cy="1296000"/>
           </a:xfrm>
           <a:effectLst>
-            <a:glow rad="63500">
+            <a:glow rad="44450">
               <a:schemeClr val="tx1"/>
             </a:glow>
           </a:effectLst>
@@ -17610,9 +17610,9 @@
               </p:nvGrpSpPr>
               <p:grpSpPr>
                 <a:xfrm>
-                  <a:off x="5825642" y="2643489"/>
+                  <a:off x="5825642" y="2643488"/>
                   <a:ext cx="1937027" cy="2743205"/>
-                  <a:chOff x="5533810" y="2295726"/>
+                  <a:chOff x="5533810" y="2295725"/>
                   <a:chExt cx="1937027" cy="2743205"/>
                 </a:xfrm>
                 <a:grpFill/>
@@ -17631,8 +17631,8 @@
                 </p:nvSpPr>
                 <p:spPr>
                   <a:xfrm rot="5400000">
-                    <a:off x="4916100" y="3421289"/>
-                    <a:ext cx="2743205" cy="492079"/>
+                    <a:off x="4891099" y="3396287"/>
+                    <a:ext cx="2743205" cy="542082"/>
                   </a:xfrm>
                   <a:prstGeom prst="round2SameRect">
                     <a:avLst>
@@ -17686,8 +17686,8 @@
                 </p:nvSpPr>
                 <p:spPr>
                   <a:xfrm rot="5400000">
-                    <a:off x="5451096" y="3453319"/>
-                    <a:ext cx="2577827" cy="457201"/>
+                    <a:off x="5408655" y="3410878"/>
+                    <a:ext cx="2577827" cy="542086"/>
                   </a:xfrm>
                   <a:prstGeom prst="round2SameRect">
                     <a:avLst>
@@ -17797,9 +17797,9 @@
               </p:nvGrpSpPr>
               <p:grpSpPr>
                 <a:xfrm rot="10800000">
-                  <a:off x="4428722" y="2658079"/>
+                  <a:off x="4428722" y="2658075"/>
                   <a:ext cx="1937027" cy="2743205"/>
-                  <a:chOff x="5504626" y="2295726"/>
+                  <a:chOff x="5504626" y="2295730"/>
                   <a:chExt cx="1937027" cy="2743205"/>
                 </a:xfrm>
                 <a:grpFill/>
@@ -17818,8 +17818,8 @@
                 </p:nvSpPr>
                 <p:spPr>
                   <a:xfrm rot="5400000">
-                    <a:off x="4914085" y="3438729"/>
-                    <a:ext cx="2743205" cy="457200"/>
+                    <a:off x="4875400" y="3400049"/>
+                    <a:ext cx="2743205" cy="534567"/>
                   </a:xfrm>
                   <a:prstGeom prst="round2SameRect">
                     <a:avLst>
@@ -17873,8 +17873,8 @@
                 </p:nvSpPr>
                 <p:spPr>
                   <a:xfrm rot="5400000">
-                    <a:off x="5431276" y="3453321"/>
-                    <a:ext cx="2577826" cy="457200"/>
+                    <a:off x="5366429" y="3388473"/>
+                    <a:ext cx="2577827" cy="586901"/>
                   </a:xfrm>
                   <a:prstGeom prst="round2SameRect">
                     <a:avLst>
@@ -18655,7 +18655,7 @@
             <a:chExt cx="1296000" cy="1296000"/>
           </a:xfrm>
           <a:effectLst>
-            <a:glow rad="63500">
+            <a:glow rad="44450">
               <a:schemeClr val="tx1"/>
             </a:glow>
           </a:effectLst>
@@ -18775,9 +18775,9 @@
               </p:nvGrpSpPr>
               <p:grpSpPr>
                 <a:xfrm>
-                  <a:off x="5825642" y="2643489"/>
+                  <a:off x="5825642" y="2643486"/>
                   <a:ext cx="1937027" cy="2743205"/>
-                  <a:chOff x="5533810" y="2295726"/>
+                  <a:chOff x="5533810" y="2295723"/>
                   <a:chExt cx="1937027" cy="2743205"/>
                 </a:xfrm>
                 <a:grpFill/>
@@ -18796,8 +18796,8 @@
                 </p:nvSpPr>
                 <p:spPr>
                   <a:xfrm rot="5400000">
-                    <a:off x="4928764" y="3433953"/>
-                    <a:ext cx="2743205" cy="466751"/>
+                    <a:off x="4891107" y="3396291"/>
+                    <a:ext cx="2743205" cy="542070"/>
                   </a:xfrm>
                   <a:prstGeom prst="round2SameRect">
                     <a:avLst>
@@ -18853,8 +18853,8 @@
                 </p:nvSpPr>
                 <p:spPr>
                   <a:xfrm rot="5400000">
-                    <a:off x="5451096" y="3453319"/>
-                    <a:ext cx="2577827" cy="457201"/>
+                    <a:off x="5415446" y="3417670"/>
+                    <a:ext cx="2577827" cy="528503"/>
                   </a:xfrm>
                   <a:prstGeom prst="round2SameRect">
                     <a:avLst>
@@ -18968,9 +18968,9 @@
               </p:nvGrpSpPr>
               <p:grpSpPr>
                 <a:xfrm rot="10800000">
-                  <a:off x="4428722" y="2658079"/>
+                  <a:off x="4428722" y="2658077"/>
                   <a:ext cx="1937027" cy="2743205"/>
-                  <a:chOff x="5504626" y="2295726"/>
+                  <a:chOff x="5504626" y="2295728"/>
                   <a:chExt cx="1937027" cy="2743205"/>
                 </a:xfrm>
                 <a:grpFill/>
@@ -18989,8 +18989,8 @@
                 </p:nvSpPr>
                 <p:spPr>
                   <a:xfrm rot="5400000">
-                    <a:off x="4914085" y="3438729"/>
-                    <a:ext cx="2743205" cy="457200"/>
+                    <a:off x="4875408" y="3400051"/>
+                    <a:ext cx="2743205" cy="534559"/>
                   </a:xfrm>
                   <a:prstGeom prst="round2SameRect">
                     <a:avLst>
@@ -19046,8 +19046,8 @@
                 </p:nvSpPr>
                 <p:spPr>
                   <a:xfrm rot="5400000">
-                    <a:off x="5431276" y="3453321"/>
-                    <a:ext cx="2577826" cy="457200"/>
+                    <a:off x="5366429" y="3388474"/>
+                    <a:ext cx="2577827" cy="586901"/>
                   </a:xfrm>
                   <a:prstGeom prst="round2SameRect">
                     <a:avLst>
@@ -19852,7 +19852,7 @@
             <a:chExt cx="1296000" cy="1296000"/>
           </a:xfrm>
           <a:effectLst>
-            <a:glow rad="38100">
+            <a:glow rad="44450">
               <a:schemeClr val="tx1"/>
             </a:glow>
           </a:effectLst>
@@ -20020,9 +20020,9 @@
               </p:nvGrpSpPr>
               <p:grpSpPr>
                 <a:xfrm>
-                  <a:off x="5825642" y="2643485"/>
+                  <a:off x="5825642" y="2643487"/>
                   <a:ext cx="1937027" cy="2743205"/>
-                  <a:chOff x="5533810" y="2295722"/>
+                  <a:chOff x="5533810" y="2295724"/>
                   <a:chExt cx="1937027" cy="2743205"/>
                 </a:xfrm>
                 <a:grpFill/>
@@ -20041,8 +20041,8 @@
                 </p:nvSpPr>
                 <p:spPr>
                   <a:xfrm rot="5400000">
-                    <a:off x="4927309" y="3432492"/>
-                    <a:ext cx="2743205" cy="469666"/>
+                    <a:off x="4867997" y="3373182"/>
+                    <a:ext cx="2743205" cy="588290"/>
                   </a:xfrm>
                   <a:prstGeom prst="round2SameRect">
                     <a:avLst>
@@ -20096,8 +20096,8 @@
                 </p:nvSpPr>
                 <p:spPr>
                   <a:xfrm rot="5400000">
-                    <a:off x="5454221" y="3447086"/>
-                    <a:ext cx="2577827" cy="469674"/>
+                    <a:off x="5394905" y="3387776"/>
+                    <a:ext cx="2577827" cy="588298"/>
                   </a:xfrm>
                   <a:prstGeom prst="round2SameRect">
                     <a:avLst>
@@ -20207,9 +20207,9 @@
               </p:nvGrpSpPr>
               <p:grpSpPr>
                 <a:xfrm rot="10800000">
-                  <a:off x="4428722" y="2658079"/>
+                  <a:off x="4428722" y="2658080"/>
                   <a:ext cx="1937027" cy="2743205"/>
-                  <a:chOff x="5504626" y="2295726"/>
+                  <a:chOff x="5504626" y="2295725"/>
                   <a:chExt cx="1937027" cy="2743205"/>
                 </a:xfrm>
                 <a:grpFill/>
@@ -20228,8 +20228,8 @@
                 </p:nvSpPr>
                 <p:spPr>
                   <a:xfrm rot="5400000">
-                    <a:off x="4914085" y="3438729"/>
-                    <a:ext cx="2743205" cy="457200"/>
+                    <a:off x="4857552" y="3382192"/>
+                    <a:ext cx="2743205" cy="570271"/>
                   </a:xfrm>
                   <a:prstGeom prst="round2SameRect">
                     <a:avLst>
@@ -20283,8 +20283,8 @@
                 </p:nvSpPr>
                 <p:spPr>
                   <a:xfrm rot="5400000">
-                    <a:off x="5431276" y="3453321"/>
-                    <a:ext cx="2577826" cy="457200"/>
+                    <a:off x="5366425" y="3388471"/>
+                    <a:ext cx="2577827" cy="586905"/>
                   </a:xfrm>
                   <a:prstGeom prst="round2SameRect">
                     <a:avLst>
@@ -21563,7 +21563,7 @@
             <a:chExt cx="1296000" cy="1296000"/>
           </a:xfrm>
           <a:effectLst>
-            <a:glow rad="38100">
+            <a:glow rad="44450">
               <a:schemeClr val="tx1"/>
             </a:glow>
           </a:effectLst>
@@ -21733,9 +21733,9 @@
               </p:nvGrpSpPr>
               <p:grpSpPr>
                 <a:xfrm>
-                  <a:off x="5825642" y="2643485"/>
+                  <a:off x="5825642" y="2643487"/>
                   <a:ext cx="1937027" cy="2743205"/>
-                  <a:chOff x="5533810" y="2295722"/>
+                  <a:chOff x="5533810" y="2295724"/>
                   <a:chExt cx="1937027" cy="2743205"/>
                 </a:xfrm>
                 <a:grpFill/>
@@ -21754,8 +21754,8 @@
                 </p:nvSpPr>
                 <p:spPr>
                   <a:xfrm rot="5400000">
-                    <a:off x="4927309" y="3432492"/>
-                    <a:ext cx="2743205" cy="469666"/>
+                    <a:off x="4867997" y="3373182"/>
+                    <a:ext cx="2743205" cy="588290"/>
                   </a:xfrm>
                   <a:prstGeom prst="round2SameRect">
                     <a:avLst>
@@ -21811,8 +21811,8 @@
                 </p:nvSpPr>
                 <p:spPr>
                   <a:xfrm rot="5400000">
-                    <a:off x="5454221" y="3447086"/>
-                    <a:ext cx="2577827" cy="469674"/>
+                    <a:off x="5395602" y="3388470"/>
+                    <a:ext cx="2577827" cy="586905"/>
                   </a:xfrm>
                   <a:prstGeom prst="round2SameRect">
                     <a:avLst>
@@ -21926,9 +21926,9 @@
               </p:nvGrpSpPr>
               <p:grpSpPr>
                 <a:xfrm rot="10800000">
-                  <a:off x="4428722" y="2658079"/>
+                  <a:off x="4428722" y="2658077"/>
                   <a:ext cx="1937027" cy="2743205"/>
-                  <a:chOff x="5504626" y="2295726"/>
+                  <a:chOff x="5504626" y="2295728"/>
                   <a:chExt cx="1937027" cy="2743205"/>
                 </a:xfrm>
                 <a:grpFill/>
@@ -21947,8 +21947,8 @@
                 </p:nvSpPr>
                 <p:spPr>
                   <a:xfrm rot="5400000">
-                    <a:off x="4914085" y="3438729"/>
-                    <a:ext cx="2743205" cy="457200"/>
+                    <a:off x="4857552" y="3382195"/>
+                    <a:ext cx="2743205" cy="570271"/>
                   </a:xfrm>
                   <a:prstGeom prst="round2SameRect">
                     <a:avLst>
@@ -22004,8 +22004,8 @@
                 </p:nvSpPr>
                 <p:spPr>
                   <a:xfrm rot="5400000">
-                    <a:off x="5431276" y="3453321"/>
-                    <a:ext cx="2577826" cy="457200"/>
+                    <a:off x="5366425" y="3388470"/>
+                    <a:ext cx="2577827" cy="586905"/>
                   </a:xfrm>
                   <a:prstGeom prst="round2SameRect">
                     <a:avLst>
@@ -23320,7 +23320,7 @@
             <a:chExt cx="1296000" cy="1296000"/>
           </a:xfrm>
           <a:effectLst>
-            <a:glow rad="50800">
+            <a:glow rad="44450">
               <a:schemeClr val="tx1"/>
             </a:glow>
           </a:effectLst>
@@ -23439,8 +23439,8 @@
               </p:nvSpPr>
               <p:spPr>
                 <a:xfrm rot="5400000">
-                  <a:off x="4928764" y="3433953"/>
-                  <a:ext cx="2743205" cy="466751"/>
+                  <a:off x="4892021" y="3397210"/>
+                  <a:ext cx="2743205" cy="540237"/>
                 </a:xfrm>
                 <a:prstGeom prst="round2SameRect">
                   <a:avLst>
@@ -23494,8 +23494,8 @@
               </p:nvSpPr>
               <p:spPr>
                 <a:xfrm rot="5400000">
-                  <a:off x="5454229" y="3447089"/>
-                  <a:ext cx="2577827" cy="469666"/>
+                  <a:off x="5383739" y="3376608"/>
+                  <a:ext cx="2577827" cy="610633"/>
                 </a:xfrm>
                 <a:prstGeom prst="round2SameRect">
                   <a:avLst>
@@ -23605,9 +23605,9 @@
             </p:nvGrpSpPr>
             <p:grpSpPr>
               <a:xfrm rot="10800000">
-                <a:off x="4428722" y="2658079"/>
+                <a:off x="4428722" y="2658077"/>
                 <a:ext cx="1937027" cy="2743205"/>
-                <a:chOff x="5504626" y="2295726"/>
+                <a:chOff x="5504626" y="2295728"/>
                 <a:chExt cx="1937027" cy="2743205"/>
               </a:xfrm>
               <a:grpFill/>
@@ -23626,8 +23626,8 @@
               </p:nvSpPr>
               <p:spPr>
                 <a:xfrm rot="5400000">
-                  <a:off x="4914085" y="3438729"/>
-                  <a:ext cx="2743205" cy="457200"/>
+                  <a:off x="4857883" y="3382526"/>
+                  <a:ext cx="2743205" cy="569609"/>
                 </a:xfrm>
                 <a:prstGeom prst="round2SameRect">
                   <a:avLst>
@@ -23681,8 +23681,8 @@
               </p:nvSpPr>
               <p:spPr>
                 <a:xfrm rot="5400000">
-                  <a:off x="5431276" y="3453321"/>
-                  <a:ext cx="2577826" cy="457200"/>
+                  <a:off x="5375073" y="3397117"/>
+                  <a:ext cx="2577827" cy="569609"/>
                 </a:xfrm>
                 <a:prstGeom prst="round2SameRect">
                   <a:avLst>
@@ -24317,8 +24317,8 @@
           </p:nvSpPr>
           <p:spPr>
             <a:xfrm>
-              <a:off x="6035406" y="2955272"/>
-              <a:ext cx="121188" cy="103533"/>
+              <a:off x="6038944" y="2938368"/>
+              <a:ext cx="108000" cy="360000"/>
             </a:xfrm>
             <a:prstGeom prst="rect">
               <a:avLst/>
@@ -24371,8 +24371,8 @@
           </p:nvSpPr>
           <p:spPr>
             <a:xfrm>
-              <a:off x="5834890" y="2952157"/>
-              <a:ext cx="121188" cy="138486"/>
+              <a:off x="5832985" y="2938047"/>
+              <a:ext cx="108000" cy="360000"/>
             </a:xfrm>
             <a:prstGeom prst="rect">
               <a:avLst/>
@@ -24425,8 +24425,8 @@
           </p:nvSpPr>
           <p:spPr>
             <a:xfrm>
-              <a:off x="6229811" y="2952157"/>
-              <a:ext cx="121188" cy="138486"/>
+              <a:off x="6244904" y="2936463"/>
+              <a:ext cx="108000" cy="360000"/>
             </a:xfrm>
             <a:prstGeom prst="rect">
               <a:avLst/>
@@ -24479,8 +24479,8 @@
           </p:nvSpPr>
           <p:spPr>
             <a:xfrm>
-              <a:off x="5834890" y="3047610"/>
-              <a:ext cx="516109" cy="240937"/>
+              <a:off x="5834890" y="3047658"/>
+              <a:ext cx="516109" cy="252000"/>
             </a:xfrm>
             <a:prstGeom prst="rect">
               <a:avLst/>
@@ -24515,7 +24515,7 @@
             <a:lstStyle/>
             <a:p>
               <a:pPr algn="ctr"/>
-              <a:endParaRPr lang="en-IN"/>
+              <a:endParaRPr lang="en-IN" dirty="0"/>
             </a:p>
           </p:txBody>
         </p:sp>
